--- a/ppt 16-9/0971.摩西爱民如子.pptx
+++ b/ppt 16-9/0971.摩西爱民如子.pptx
@@ -5,7 +5,7 @@
     <p:sldMasterId id="2147483648" r:id="rId1"/>
   </p:sldMasterIdLst>
   <p:sldIdLst>
-    <p:sldId id="365" r:id="rId2"/>
+    <p:sldId id="367" r:id="rId2"/>
   </p:sldIdLst>
   <p:sldSz cx="12192000" cy="6858000"/>
   <p:notesSz cx="6858000" cy="9144000"/>
@@ -129,7 +129,7 @@
           <p:cNvPr id="2" name="标题 1">
             <a:extLst>
               <a:ext uri="{FF2B5EF4-FFF2-40B4-BE49-F238E27FC236}">
-                <a16:creationId xmlns:a16="http://schemas.microsoft.com/office/drawing/2014/main" id="{4312DFCE-B2E0-4CC3-3F8A-C62CEB9D2AFF}"/>
+                <a16:creationId xmlns:a16="http://schemas.microsoft.com/office/drawing/2014/main" id="{A40090A8-C3D7-7366-F610-536031703DAD}"/>
               </a:ext>
             </a:extLst>
           </p:cNvPr>
@@ -166,7 +166,7 @@
           <p:cNvPr id="3" name="副标题 2">
             <a:extLst>
               <a:ext uri="{FF2B5EF4-FFF2-40B4-BE49-F238E27FC236}">
-                <a16:creationId xmlns:a16="http://schemas.microsoft.com/office/drawing/2014/main" id="{DBB0FF8C-C10D-5F0E-D8BB-303E15344032}"/>
+                <a16:creationId xmlns:a16="http://schemas.microsoft.com/office/drawing/2014/main" id="{0CFD3F1B-75BB-D75E-FE96-3E880D39A0AB}"/>
               </a:ext>
             </a:extLst>
           </p:cNvPr>
@@ -236,7 +236,7 @@
           <p:cNvPr id="4" name="日期占位符 3">
             <a:extLst>
               <a:ext uri="{FF2B5EF4-FFF2-40B4-BE49-F238E27FC236}">
-                <a16:creationId xmlns:a16="http://schemas.microsoft.com/office/drawing/2014/main" id="{D76F318E-C12B-F30F-C162-D665DA3F93EC}"/>
+                <a16:creationId xmlns:a16="http://schemas.microsoft.com/office/drawing/2014/main" id="{5F299BD6-5C7C-2005-A923-F9A88E68F73A}"/>
               </a:ext>
             </a:extLst>
           </p:cNvPr>
@@ -252,7 +252,7 @@
           <a:bodyPr/>
           <a:lstStyle/>
           <a:p>
-            <a:fld id="{86F7DA15-9BDF-4F0C-AABE-4E985EB66EEF}" type="datetimeFigureOut">
+            <a:fld id="{D169469F-716D-42CF-A5AD-43B53B0F9315}" type="datetimeFigureOut">
               <a:rPr lang="zh-CN" altLang="en-US" smtClean="0"/>
               <a:t>2024/3/10</a:t>
             </a:fld>
@@ -265,7 +265,7 @@
           <p:cNvPr id="5" name="页脚占位符 4">
             <a:extLst>
               <a:ext uri="{FF2B5EF4-FFF2-40B4-BE49-F238E27FC236}">
-                <a16:creationId xmlns:a16="http://schemas.microsoft.com/office/drawing/2014/main" id="{BE7FAF65-D6B1-C43A-3235-EEF3BBE31F09}"/>
+                <a16:creationId xmlns:a16="http://schemas.microsoft.com/office/drawing/2014/main" id="{13BB53AB-B8C3-85CA-665A-07A50CA22A49}"/>
               </a:ext>
             </a:extLst>
           </p:cNvPr>
@@ -290,7 +290,7 @@
           <p:cNvPr id="6" name="灯片编号占位符 5">
             <a:extLst>
               <a:ext uri="{FF2B5EF4-FFF2-40B4-BE49-F238E27FC236}">
-                <a16:creationId xmlns:a16="http://schemas.microsoft.com/office/drawing/2014/main" id="{38C39A49-A69F-F755-B314-91FD0ED90659}"/>
+                <a16:creationId xmlns:a16="http://schemas.microsoft.com/office/drawing/2014/main" id="{A413EC64-99E0-2536-CF88-344F7430D9E5}"/>
               </a:ext>
             </a:extLst>
           </p:cNvPr>
@@ -306,7 +306,7 @@
           <a:bodyPr/>
           <a:lstStyle/>
           <a:p>
-            <a:fld id="{E08A273A-25B7-4AE5-BAA1-A0377B5039F8}" type="slidenum">
+            <a:fld id="{6A8BF0B9-6B85-4B3D-945E-C45D8E1E1033}" type="slidenum">
               <a:rPr lang="zh-CN" altLang="en-US" smtClean="0"/>
               <a:t>‹#›</a:t>
             </a:fld>
@@ -317,7 +317,7 @@
     </p:spTree>
     <p:extLst>
       <p:ext uri="{BB962C8B-B14F-4D97-AF65-F5344CB8AC3E}">
-        <p14:creationId xmlns:p14="http://schemas.microsoft.com/office/powerpoint/2010/main" val="4162912975"/>
+        <p14:creationId xmlns:p14="http://schemas.microsoft.com/office/powerpoint/2010/main" val="217215453"/>
       </p:ext>
     </p:extLst>
   </p:cSld>
@@ -349,7 +349,7 @@
           <p:cNvPr id="2" name="标题 1">
             <a:extLst>
               <a:ext uri="{FF2B5EF4-FFF2-40B4-BE49-F238E27FC236}">
-                <a16:creationId xmlns:a16="http://schemas.microsoft.com/office/drawing/2014/main" id="{A0A0971C-CE9C-239A-FEBF-5F0E077B9CC4}"/>
+                <a16:creationId xmlns:a16="http://schemas.microsoft.com/office/drawing/2014/main" id="{302986D1-4187-CB1F-64AD-AB4AC469AF00}"/>
               </a:ext>
             </a:extLst>
           </p:cNvPr>
@@ -377,7 +377,7 @@
           <p:cNvPr id="3" name="竖排文字占位符 2">
             <a:extLst>
               <a:ext uri="{FF2B5EF4-FFF2-40B4-BE49-F238E27FC236}">
-                <a16:creationId xmlns:a16="http://schemas.microsoft.com/office/drawing/2014/main" id="{522B46CE-C588-D19F-6C02-67C1A92B871D}"/>
+                <a16:creationId xmlns:a16="http://schemas.microsoft.com/office/drawing/2014/main" id="{B8FCCAA4-4C52-DFC8-7999-4770D40E03AE}"/>
               </a:ext>
             </a:extLst>
           </p:cNvPr>
@@ -434,7 +434,7 @@
           <p:cNvPr id="4" name="日期占位符 3">
             <a:extLst>
               <a:ext uri="{FF2B5EF4-FFF2-40B4-BE49-F238E27FC236}">
-                <a16:creationId xmlns:a16="http://schemas.microsoft.com/office/drawing/2014/main" id="{2847FE0B-DBA4-AD2C-413F-2DE54DA4AACD}"/>
+                <a16:creationId xmlns:a16="http://schemas.microsoft.com/office/drawing/2014/main" id="{2F72CEFB-E405-A6CC-9777-7F8FC2C9E02A}"/>
               </a:ext>
             </a:extLst>
           </p:cNvPr>
@@ -450,7 +450,7 @@
           <a:bodyPr/>
           <a:lstStyle/>
           <a:p>
-            <a:fld id="{86F7DA15-9BDF-4F0C-AABE-4E985EB66EEF}" type="datetimeFigureOut">
+            <a:fld id="{D169469F-716D-42CF-A5AD-43B53B0F9315}" type="datetimeFigureOut">
               <a:rPr lang="zh-CN" altLang="en-US" smtClean="0"/>
               <a:t>2024/3/10</a:t>
             </a:fld>
@@ -463,7 +463,7 @@
           <p:cNvPr id="5" name="页脚占位符 4">
             <a:extLst>
               <a:ext uri="{FF2B5EF4-FFF2-40B4-BE49-F238E27FC236}">
-                <a16:creationId xmlns:a16="http://schemas.microsoft.com/office/drawing/2014/main" id="{5B65E93D-A6C9-63B8-C333-A546031EC03B}"/>
+                <a16:creationId xmlns:a16="http://schemas.microsoft.com/office/drawing/2014/main" id="{E3EA8A92-AAB9-DD2E-62C6-2618194996FD}"/>
               </a:ext>
             </a:extLst>
           </p:cNvPr>
@@ -488,7 +488,7 @@
           <p:cNvPr id="6" name="灯片编号占位符 5">
             <a:extLst>
               <a:ext uri="{FF2B5EF4-FFF2-40B4-BE49-F238E27FC236}">
-                <a16:creationId xmlns:a16="http://schemas.microsoft.com/office/drawing/2014/main" id="{9BA581F2-700C-047A-FECB-41852F576B90}"/>
+                <a16:creationId xmlns:a16="http://schemas.microsoft.com/office/drawing/2014/main" id="{89CA0E98-C144-016C-1351-CB5468418A78}"/>
               </a:ext>
             </a:extLst>
           </p:cNvPr>
@@ -504,7 +504,7 @@
           <a:bodyPr/>
           <a:lstStyle/>
           <a:p>
-            <a:fld id="{E08A273A-25B7-4AE5-BAA1-A0377B5039F8}" type="slidenum">
+            <a:fld id="{6A8BF0B9-6B85-4B3D-945E-C45D8E1E1033}" type="slidenum">
               <a:rPr lang="zh-CN" altLang="en-US" smtClean="0"/>
               <a:t>‹#›</a:t>
             </a:fld>
@@ -515,7 +515,7 @@
     </p:spTree>
     <p:extLst>
       <p:ext uri="{BB962C8B-B14F-4D97-AF65-F5344CB8AC3E}">
-        <p14:creationId xmlns:p14="http://schemas.microsoft.com/office/powerpoint/2010/main" val="796232648"/>
+        <p14:creationId xmlns:p14="http://schemas.microsoft.com/office/powerpoint/2010/main" val="806183178"/>
       </p:ext>
     </p:extLst>
   </p:cSld>
@@ -547,7 +547,7 @@
           <p:cNvPr id="2" name="竖排标题 1">
             <a:extLst>
               <a:ext uri="{FF2B5EF4-FFF2-40B4-BE49-F238E27FC236}">
-                <a16:creationId xmlns:a16="http://schemas.microsoft.com/office/drawing/2014/main" id="{05C5F67E-398E-7299-01A1-DF36BD37E81B}"/>
+                <a16:creationId xmlns:a16="http://schemas.microsoft.com/office/drawing/2014/main" id="{500B1238-1364-6638-27A9-CB77841DB01F}"/>
               </a:ext>
             </a:extLst>
           </p:cNvPr>
@@ -580,7 +580,7 @@
           <p:cNvPr id="3" name="竖排文字占位符 2">
             <a:extLst>
               <a:ext uri="{FF2B5EF4-FFF2-40B4-BE49-F238E27FC236}">
-                <a16:creationId xmlns:a16="http://schemas.microsoft.com/office/drawing/2014/main" id="{40140DC2-AEBD-C1F3-1B79-2648F3B3FEB2}"/>
+                <a16:creationId xmlns:a16="http://schemas.microsoft.com/office/drawing/2014/main" id="{5DB0C3A4-827B-5ABF-1507-EC0959AA9666}"/>
               </a:ext>
             </a:extLst>
           </p:cNvPr>
@@ -642,7 +642,7 @@
           <p:cNvPr id="4" name="日期占位符 3">
             <a:extLst>
               <a:ext uri="{FF2B5EF4-FFF2-40B4-BE49-F238E27FC236}">
-                <a16:creationId xmlns:a16="http://schemas.microsoft.com/office/drawing/2014/main" id="{D1173C54-9B8A-F86E-7298-E8F58F39BB57}"/>
+                <a16:creationId xmlns:a16="http://schemas.microsoft.com/office/drawing/2014/main" id="{8CB1B9A6-9C15-2977-5FD2-478D6A88CE7B}"/>
               </a:ext>
             </a:extLst>
           </p:cNvPr>
@@ -658,7 +658,7 @@
           <a:bodyPr/>
           <a:lstStyle/>
           <a:p>
-            <a:fld id="{86F7DA15-9BDF-4F0C-AABE-4E985EB66EEF}" type="datetimeFigureOut">
+            <a:fld id="{D169469F-716D-42CF-A5AD-43B53B0F9315}" type="datetimeFigureOut">
               <a:rPr lang="zh-CN" altLang="en-US" smtClean="0"/>
               <a:t>2024/3/10</a:t>
             </a:fld>
@@ -671,7 +671,7 @@
           <p:cNvPr id="5" name="页脚占位符 4">
             <a:extLst>
               <a:ext uri="{FF2B5EF4-FFF2-40B4-BE49-F238E27FC236}">
-                <a16:creationId xmlns:a16="http://schemas.microsoft.com/office/drawing/2014/main" id="{F219380F-47C5-A82F-A625-0C00E40739FD}"/>
+                <a16:creationId xmlns:a16="http://schemas.microsoft.com/office/drawing/2014/main" id="{5EE3FE68-C026-04F0-3B4E-5E9BC0E1F5BF}"/>
               </a:ext>
             </a:extLst>
           </p:cNvPr>
@@ -696,7 +696,7 @@
           <p:cNvPr id="6" name="灯片编号占位符 5">
             <a:extLst>
               <a:ext uri="{FF2B5EF4-FFF2-40B4-BE49-F238E27FC236}">
-                <a16:creationId xmlns:a16="http://schemas.microsoft.com/office/drawing/2014/main" id="{ADE2F4D4-4E1D-A19D-E285-609E850C482C}"/>
+                <a16:creationId xmlns:a16="http://schemas.microsoft.com/office/drawing/2014/main" id="{3D26AB37-4A80-F048-69EE-49A538BDF94D}"/>
               </a:ext>
             </a:extLst>
           </p:cNvPr>
@@ -712,7 +712,7 @@
           <a:bodyPr/>
           <a:lstStyle/>
           <a:p>
-            <a:fld id="{E08A273A-25B7-4AE5-BAA1-A0377B5039F8}" type="slidenum">
+            <a:fld id="{6A8BF0B9-6B85-4B3D-945E-C45D8E1E1033}" type="slidenum">
               <a:rPr lang="zh-CN" altLang="en-US" smtClean="0"/>
               <a:t>‹#›</a:t>
             </a:fld>
@@ -723,7 +723,7 @@
     </p:spTree>
     <p:extLst>
       <p:ext uri="{BB962C8B-B14F-4D97-AF65-F5344CB8AC3E}">
-        <p14:creationId xmlns:p14="http://schemas.microsoft.com/office/powerpoint/2010/main" val="614994279"/>
+        <p14:creationId xmlns:p14="http://schemas.microsoft.com/office/powerpoint/2010/main" val="2321031602"/>
       </p:ext>
     </p:extLst>
   </p:cSld>
@@ -755,7 +755,7 @@
           <p:cNvPr id="2" name="标题 1">
             <a:extLst>
               <a:ext uri="{FF2B5EF4-FFF2-40B4-BE49-F238E27FC236}">
-                <a16:creationId xmlns:a16="http://schemas.microsoft.com/office/drawing/2014/main" id="{233D6EB4-05C9-14CC-19A8-4FD64841BD18}"/>
+                <a16:creationId xmlns:a16="http://schemas.microsoft.com/office/drawing/2014/main" id="{6B307264-C69A-5C31-2592-119914BAC523}"/>
               </a:ext>
             </a:extLst>
           </p:cNvPr>
@@ -783,7 +783,7 @@
           <p:cNvPr id="3" name="内容占位符 2">
             <a:extLst>
               <a:ext uri="{FF2B5EF4-FFF2-40B4-BE49-F238E27FC236}">
-                <a16:creationId xmlns:a16="http://schemas.microsoft.com/office/drawing/2014/main" id="{29736C97-4869-5C24-ED0C-581E922782DD}"/>
+                <a16:creationId xmlns:a16="http://schemas.microsoft.com/office/drawing/2014/main" id="{B988359D-F9B9-A44B-CB5B-059696460A27}"/>
               </a:ext>
             </a:extLst>
           </p:cNvPr>
@@ -840,7 +840,7 @@
           <p:cNvPr id="4" name="日期占位符 3">
             <a:extLst>
               <a:ext uri="{FF2B5EF4-FFF2-40B4-BE49-F238E27FC236}">
-                <a16:creationId xmlns:a16="http://schemas.microsoft.com/office/drawing/2014/main" id="{31C29E9F-686D-872A-0D84-86846031F470}"/>
+                <a16:creationId xmlns:a16="http://schemas.microsoft.com/office/drawing/2014/main" id="{439AB5E7-DADC-07C5-ABB3-148627C7AB05}"/>
               </a:ext>
             </a:extLst>
           </p:cNvPr>
@@ -856,7 +856,7 @@
           <a:bodyPr/>
           <a:lstStyle/>
           <a:p>
-            <a:fld id="{86F7DA15-9BDF-4F0C-AABE-4E985EB66EEF}" type="datetimeFigureOut">
+            <a:fld id="{D169469F-716D-42CF-A5AD-43B53B0F9315}" type="datetimeFigureOut">
               <a:rPr lang="zh-CN" altLang="en-US" smtClean="0"/>
               <a:t>2024/3/10</a:t>
             </a:fld>
@@ -869,7 +869,7 @@
           <p:cNvPr id="5" name="页脚占位符 4">
             <a:extLst>
               <a:ext uri="{FF2B5EF4-FFF2-40B4-BE49-F238E27FC236}">
-                <a16:creationId xmlns:a16="http://schemas.microsoft.com/office/drawing/2014/main" id="{67DD3FF6-926E-DD78-640A-0120EAD73FF2}"/>
+                <a16:creationId xmlns:a16="http://schemas.microsoft.com/office/drawing/2014/main" id="{827A4DC9-18A7-6340-AC3F-5B9883EAC905}"/>
               </a:ext>
             </a:extLst>
           </p:cNvPr>
@@ -894,7 +894,7 @@
           <p:cNvPr id="6" name="灯片编号占位符 5">
             <a:extLst>
               <a:ext uri="{FF2B5EF4-FFF2-40B4-BE49-F238E27FC236}">
-                <a16:creationId xmlns:a16="http://schemas.microsoft.com/office/drawing/2014/main" id="{4FAEE1B7-C074-4E64-F2B0-6289A1469C42}"/>
+                <a16:creationId xmlns:a16="http://schemas.microsoft.com/office/drawing/2014/main" id="{A24A0782-BDCF-001E-CF0F-A31A0F1FFAC9}"/>
               </a:ext>
             </a:extLst>
           </p:cNvPr>
@@ -910,7 +910,7 @@
           <a:bodyPr/>
           <a:lstStyle/>
           <a:p>
-            <a:fld id="{E08A273A-25B7-4AE5-BAA1-A0377B5039F8}" type="slidenum">
+            <a:fld id="{6A8BF0B9-6B85-4B3D-945E-C45D8E1E1033}" type="slidenum">
               <a:rPr lang="zh-CN" altLang="en-US" smtClean="0"/>
               <a:t>‹#›</a:t>
             </a:fld>
@@ -921,7 +921,7 @@
     </p:spTree>
     <p:extLst>
       <p:ext uri="{BB962C8B-B14F-4D97-AF65-F5344CB8AC3E}">
-        <p14:creationId xmlns:p14="http://schemas.microsoft.com/office/powerpoint/2010/main" val="3511205277"/>
+        <p14:creationId xmlns:p14="http://schemas.microsoft.com/office/powerpoint/2010/main" val="1494621537"/>
       </p:ext>
     </p:extLst>
   </p:cSld>
@@ -953,7 +953,7 @@
           <p:cNvPr id="2" name="标题 1">
             <a:extLst>
               <a:ext uri="{FF2B5EF4-FFF2-40B4-BE49-F238E27FC236}">
-                <a16:creationId xmlns:a16="http://schemas.microsoft.com/office/drawing/2014/main" id="{F13C478F-AADB-408B-2BFF-FF8B8B317950}"/>
+                <a16:creationId xmlns:a16="http://schemas.microsoft.com/office/drawing/2014/main" id="{8BA9D921-EADC-6443-A744-5638BD8D1C2F}"/>
               </a:ext>
             </a:extLst>
           </p:cNvPr>
@@ -990,7 +990,7 @@
           <p:cNvPr id="3" name="文本占位符 2">
             <a:extLst>
               <a:ext uri="{FF2B5EF4-FFF2-40B4-BE49-F238E27FC236}">
-                <a16:creationId xmlns:a16="http://schemas.microsoft.com/office/drawing/2014/main" id="{BF07AA7C-D29E-0335-7D86-6BC38A7AAC71}"/>
+                <a16:creationId xmlns:a16="http://schemas.microsoft.com/office/drawing/2014/main" id="{802B58FD-138C-9FFF-BB95-E8655DFA6EA0}"/>
               </a:ext>
             </a:extLst>
           </p:cNvPr>
@@ -1115,7 +1115,7 @@
           <p:cNvPr id="4" name="日期占位符 3">
             <a:extLst>
               <a:ext uri="{FF2B5EF4-FFF2-40B4-BE49-F238E27FC236}">
-                <a16:creationId xmlns:a16="http://schemas.microsoft.com/office/drawing/2014/main" id="{52B359FC-92F8-B120-949B-C790D8964CED}"/>
+                <a16:creationId xmlns:a16="http://schemas.microsoft.com/office/drawing/2014/main" id="{71998BFF-509F-7FD6-94EE-33A7E8D853BA}"/>
               </a:ext>
             </a:extLst>
           </p:cNvPr>
@@ -1131,7 +1131,7 @@
           <a:bodyPr/>
           <a:lstStyle/>
           <a:p>
-            <a:fld id="{86F7DA15-9BDF-4F0C-AABE-4E985EB66EEF}" type="datetimeFigureOut">
+            <a:fld id="{D169469F-716D-42CF-A5AD-43B53B0F9315}" type="datetimeFigureOut">
               <a:rPr lang="zh-CN" altLang="en-US" smtClean="0"/>
               <a:t>2024/3/10</a:t>
             </a:fld>
@@ -1144,7 +1144,7 @@
           <p:cNvPr id="5" name="页脚占位符 4">
             <a:extLst>
               <a:ext uri="{FF2B5EF4-FFF2-40B4-BE49-F238E27FC236}">
-                <a16:creationId xmlns:a16="http://schemas.microsoft.com/office/drawing/2014/main" id="{62A7FA44-0EE7-009F-1378-B0DD9DC313EC}"/>
+                <a16:creationId xmlns:a16="http://schemas.microsoft.com/office/drawing/2014/main" id="{C17951EE-6592-94CF-EC04-C56E642F5A65}"/>
               </a:ext>
             </a:extLst>
           </p:cNvPr>
@@ -1169,7 +1169,7 @@
           <p:cNvPr id="6" name="灯片编号占位符 5">
             <a:extLst>
               <a:ext uri="{FF2B5EF4-FFF2-40B4-BE49-F238E27FC236}">
-                <a16:creationId xmlns:a16="http://schemas.microsoft.com/office/drawing/2014/main" id="{74D2EFA0-FE15-E09A-1642-02FF546AAC15}"/>
+                <a16:creationId xmlns:a16="http://schemas.microsoft.com/office/drawing/2014/main" id="{7E9993F9-14D6-0235-CF67-672B19FE21A3}"/>
               </a:ext>
             </a:extLst>
           </p:cNvPr>
@@ -1185,7 +1185,7 @@
           <a:bodyPr/>
           <a:lstStyle/>
           <a:p>
-            <a:fld id="{E08A273A-25B7-4AE5-BAA1-A0377B5039F8}" type="slidenum">
+            <a:fld id="{6A8BF0B9-6B85-4B3D-945E-C45D8E1E1033}" type="slidenum">
               <a:rPr lang="zh-CN" altLang="en-US" smtClean="0"/>
               <a:t>‹#›</a:t>
             </a:fld>
@@ -1196,7 +1196,7 @@
     </p:spTree>
     <p:extLst>
       <p:ext uri="{BB962C8B-B14F-4D97-AF65-F5344CB8AC3E}">
-        <p14:creationId xmlns:p14="http://schemas.microsoft.com/office/powerpoint/2010/main" val="1325150552"/>
+        <p14:creationId xmlns:p14="http://schemas.microsoft.com/office/powerpoint/2010/main" val="2104906567"/>
       </p:ext>
     </p:extLst>
   </p:cSld>
@@ -1228,7 +1228,7 @@
           <p:cNvPr id="2" name="标题 1">
             <a:extLst>
               <a:ext uri="{FF2B5EF4-FFF2-40B4-BE49-F238E27FC236}">
-                <a16:creationId xmlns:a16="http://schemas.microsoft.com/office/drawing/2014/main" id="{2418C321-35AB-8DAC-E3DD-DB7E1D32B1D4}"/>
+                <a16:creationId xmlns:a16="http://schemas.microsoft.com/office/drawing/2014/main" id="{3DE2E973-C968-40B1-E9F6-E7923182367A}"/>
               </a:ext>
             </a:extLst>
           </p:cNvPr>
@@ -1256,7 +1256,7 @@
           <p:cNvPr id="3" name="内容占位符 2">
             <a:extLst>
               <a:ext uri="{FF2B5EF4-FFF2-40B4-BE49-F238E27FC236}">
-                <a16:creationId xmlns:a16="http://schemas.microsoft.com/office/drawing/2014/main" id="{FAD4B651-29F3-F8A6-756C-F0E41F8DCAF8}"/>
+                <a16:creationId xmlns:a16="http://schemas.microsoft.com/office/drawing/2014/main" id="{AEE43512-DC52-EA89-D34E-0C71CE6D3E6F}"/>
               </a:ext>
             </a:extLst>
           </p:cNvPr>
@@ -1318,7 +1318,7 @@
           <p:cNvPr id="4" name="内容占位符 3">
             <a:extLst>
               <a:ext uri="{FF2B5EF4-FFF2-40B4-BE49-F238E27FC236}">
-                <a16:creationId xmlns:a16="http://schemas.microsoft.com/office/drawing/2014/main" id="{854F8C76-8F3D-D0CA-7A53-1CA5EEF5632D}"/>
+                <a16:creationId xmlns:a16="http://schemas.microsoft.com/office/drawing/2014/main" id="{B5E97373-03D4-874C-B6F7-468229D0D4A9}"/>
               </a:ext>
             </a:extLst>
           </p:cNvPr>
@@ -1380,7 +1380,7 @@
           <p:cNvPr id="5" name="日期占位符 4">
             <a:extLst>
               <a:ext uri="{FF2B5EF4-FFF2-40B4-BE49-F238E27FC236}">
-                <a16:creationId xmlns:a16="http://schemas.microsoft.com/office/drawing/2014/main" id="{84A254D2-AC60-76A0-C4EA-0B74C6A6CAFE}"/>
+                <a16:creationId xmlns:a16="http://schemas.microsoft.com/office/drawing/2014/main" id="{825DA641-B3AD-3623-070B-E2CAAC88E36C}"/>
               </a:ext>
             </a:extLst>
           </p:cNvPr>
@@ -1396,7 +1396,7 @@
           <a:bodyPr/>
           <a:lstStyle/>
           <a:p>
-            <a:fld id="{86F7DA15-9BDF-4F0C-AABE-4E985EB66EEF}" type="datetimeFigureOut">
+            <a:fld id="{D169469F-716D-42CF-A5AD-43B53B0F9315}" type="datetimeFigureOut">
               <a:rPr lang="zh-CN" altLang="en-US" smtClean="0"/>
               <a:t>2024/3/10</a:t>
             </a:fld>
@@ -1409,7 +1409,7 @@
           <p:cNvPr id="6" name="页脚占位符 5">
             <a:extLst>
               <a:ext uri="{FF2B5EF4-FFF2-40B4-BE49-F238E27FC236}">
-                <a16:creationId xmlns:a16="http://schemas.microsoft.com/office/drawing/2014/main" id="{BFEA9812-4D44-EF6C-7550-E0E7ED227935}"/>
+                <a16:creationId xmlns:a16="http://schemas.microsoft.com/office/drawing/2014/main" id="{1CD7F82F-7C02-FDC3-75E3-125A032FAEDC}"/>
               </a:ext>
             </a:extLst>
           </p:cNvPr>
@@ -1434,7 +1434,7 @@
           <p:cNvPr id="7" name="灯片编号占位符 6">
             <a:extLst>
               <a:ext uri="{FF2B5EF4-FFF2-40B4-BE49-F238E27FC236}">
-                <a16:creationId xmlns:a16="http://schemas.microsoft.com/office/drawing/2014/main" id="{A759A538-A50C-6D42-018B-0A4808518FA8}"/>
+                <a16:creationId xmlns:a16="http://schemas.microsoft.com/office/drawing/2014/main" id="{357C911C-EE3C-685B-6CEE-7DC4BB7532B3}"/>
               </a:ext>
             </a:extLst>
           </p:cNvPr>
@@ -1450,7 +1450,7 @@
           <a:bodyPr/>
           <a:lstStyle/>
           <a:p>
-            <a:fld id="{E08A273A-25B7-4AE5-BAA1-A0377B5039F8}" type="slidenum">
+            <a:fld id="{6A8BF0B9-6B85-4B3D-945E-C45D8E1E1033}" type="slidenum">
               <a:rPr lang="zh-CN" altLang="en-US" smtClean="0"/>
               <a:t>‹#›</a:t>
             </a:fld>
@@ -1461,7 +1461,7 @@
     </p:spTree>
     <p:extLst>
       <p:ext uri="{BB962C8B-B14F-4D97-AF65-F5344CB8AC3E}">
-        <p14:creationId xmlns:p14="http://schemas.microsoft.com/office/powerpoint/2010/main" val="193101182"/>
+        <p14:creationId xmlns:p14="http://schemas.microsoft.com/office/powerpoint/2010/main" val="2748047486"/>
       </p:ext>
     </p:extLst>
   </p:cSld>
@@ -1493,7 +1493,7 @@
           <p:cNvPr id="2" name="标题 1">
             <a:extLst>
               <a:ext uri="{FF2B5EF4-FFF2-40B4-BE49-F238E27FC236}">
-                <a16:creationId xmlns:a16="http://schemas.microsoft.com/office/drawing/2014/main" id="{F1FEC71A-5353-9F9E-27C8-61F231492343}"/>
+                <a16:creationId xmlns:a16="http://schemas.microsoft.com/office/drawing/2014/main" id="{16F87331-809D-5BFD-B5DD-42A39692D84C}"/>
               </a:ext>
             </a:extLst>
           </p:cNvPr>
@@ -1526,7 +1526,7 @@
           <p:cNvPr id="3" name="文本占位符 2">
             <a:extLst>
               <a:ext uri="{FF2B5EF4-FFF2-40B4-BE49-F238E27FC236}">
-                <a16:creationId xmlns:a16="http://schemas.microsoft.com/office/drawing/2014/main" id="{74400FE2-1E0A-DA6B-5AD7-A79D54D598A3}"/>
+                <a16:creationId xmlns:a16="http://schemas.microsoft.com/office/drawing/2014/main" id="{9EF29223-9D45-FE14-053D-C73C2977BDFD}"/>
               </a:ext>
             </a:extLst>
           </p:cNvPr>
@@ -1597,7 +1597,7 @@
           <p:cNvPr id="4" name="内容占位符 3">
             <a:extLst>
               <a:ext uri="{FF2B5EF4-FFF2-40B4-BE49-F238E27FC236}">
-                <a16:creationId xmlns:a16="http://schemas.microsoft.com/office/drawing/2014/main" id="{9D76851E-A4BD-ECEB-C598-6E16F3177690}"/>
+                <a16:creationId xmlns:a16="http://schemas.microsoft.com/office/drawing/2014/main" id="{76ABFA38-F37D-DA4B-63AA-50AD63D6E973}"/>
               </a:ext>
             </a:extLst>
           </p:cNvPr>
@@ -1659,7 +1659,7 @@
           <p:cNvPr id="5" name="文本占位符 4">
             <a:extLst>
               <a:ext uri="{FF2B5EF4-FFF2-40B4-BE49-F238E27FC236}">
-                <a16:creationId xmlns:a16="http://schemas.microsoft.com/office/drawing/2014/main" id="{50E28F03-6382-E657-5411-81BDB33ADD70}"/>
+                <a16:creationId xmlns:a16="http://schemas.microsoft.com/office/drawing/2014/main" id="{91869450-21A7-A2B6-E679-BC8B42582E6D}"/>
               </a:ext>
             </a:extLst>
           </p:cNvPr>
@@ -1730,7 +1730,7 @@
           <p:cNvPr id="6" name="内容占位符 5">
             <a:extLst>
               <a:ext uri="{FF2B5EF4-FFF2-40B4-BE49-F238E27FC236}">
-                <a16:creationId xmlns:a16="http://schemas.microsoft.com/office/drawing/2014/main" id="{D3AE2259-0938-A1E8-3B07-304D10A3B7F9}"/>
+                <a16:creationId xmlns:a16="http://schemas.microsoft.com/office/drawing/2014/main" id="{0A186C8C-5113-7D6E-C939-C69F4984C7EF}"/>
               </a:ext>
             </a:extLst>
           </p:cNvPr>
@@ -1792,7 +1792,7 @@
           <p:cNvPr id="7" name="日期占位符 6">
             <a:extLst>
               <a:ext uri="{FF2B5EF4-FFF2-40B4-BE49-F238E27FC236}">
-                <a16:creationId xmlns:a16="http://schemas.microsoft.com/office/drawing/2014/main" id="{7B94FE11-7A69-3715-B9CD-70113E99F3BC}"/>
+                <a16:creationId xmlns:a16="http://schemas.microsoft.com/office/drawing/2014/main" id="{4ABE5C26-BAA3-7798-6763-AABE313BADFD}"/>
               </a:ext>
             </a:extLst>
           </p:cNvPr>
@@ -1808,7 +1808,7 @@
           <a:bodyPr/>
           <a:lstStyle/>
           <a:p>
-            <a:fld id="{86F7DA15-9BDF-4F0C-AABE-4E985EB66EEF}" type="datetimeFigureOut">
+            <a:fld id="{D169469F-716D-42CF-A5AD-43B53B0F9315}" type="datetimeFigureOut">
               <a:rPr lang="zh-CN" altLang="en-US" smtClean="0"/>
               <a:t>2024/3/10</a:t>
             </a:fld>
@@ -1821,7 +1821,7 @@
           <p:cNvPr id="8" name="页脚占位符 7">
             <a:extLst>
               <a:ext uri="{FF2B5EF4-FFF2-40B4-BE49-F238E27FC236}">
-                <a16:creationId xmlns:a16="http://schemas.microsoft.com/office/drawing/2014/main" id="{03D422CB-AD0B-F77A-F736-582941B31B8C}"/>
+                <a16:creationId xmlns:a16="http://schemas.microsoft.com/office/drawing/2014/main" id="{5C14744F-2F48-1990-FA4E-52E1686BBA25}"/>
               </a:ext>
             </a:extLst>
           </p:cNvPr>
@@ -1846,7 +1846,7 @@
           <p:cNvPr id="9" name="灯片编号占位符 8">
             <a:extLst>
               <a:ext uri="{FF2B5EF4-FFF2-40B4-BE49-F238E27FC236}">
-                <a16:creationId xmlns:a16="http://schemas.microsoft.com/office/drawing/2014/main" id="{56DBAEEF-F29F-9DAF-3FD9-C185B5FBC25B}"/>
+                <a16:creationId xmlns:a16="http://schemas.microsoft.com/office/drawing/2014/main" id="{F30F5C65-3FB6-D05D-2657-ECF3401838DA}"/>
               </a:ext>
             </a:extLst>
           </p:cNvPr>
@@ -1862,7 +1862,7 @@
           <a:bodyPr/>
           <a:lstStyle/>
           <a:p>
-            <a:fld id="{E08A273A-25B7-4AE5-BAA1-A0377B5039F8}" type="slidenum">
+            <a:fld id="{6A8BF0B9-6B85-4B3D-945E-C45D8E1E1033}" type="slidenum">
               <a:rPr lang="zh-CN" altLang="en-US" smtClean="0"/>
               <a:t>‹#›</a:t>
             </a:fld>
@@ -1873,7 +1873,7 @@
     </p:spTree>
     <p:extLst>
       <p:ext uri="{BB962C8B-B14F-4D97-AF65-F5344CB8AC3E}">
-        <p14:creationId xmlns:p14="http://schemas.microsoft.com/office/powerpoint/2010/main" val="3639364540"/>
+        <p14:creationId xmlns:p14="http://schemas.microsoft.com/office/powerpoint/2010/main" val="2353374718"/>
       </p:ext>
     </p:extLst>
   </p:cSld>
@@ -1905,7 +1905,7 @@
           <p:cNvPr id="2" name="标题 1">
             <a:extLst>
               <a:ext uri="{FF2B5EF4-FFF2-40B4-BE49-F238E27FC236}">
-                <a16:creationId xmlns:a16="http://schemas.microsoft.com/office/drawing/2014/main" id="{187EDA8A-5684-B867-B9BF-C076A4107478}"/>
+                <a16:creationId xmlns:a16="http://schemas.microsoft.com/office/drawing/2014/main" id="{811ACB85-B339-90FB-0BF7-EA8C4127E196}"/>
               </a:ext>
             </a:extLst>
           </p:cNvPr>
@@ -1933,7 +1933,7 @@
           <p:cNvPr id="3" name="日期占位符 2">
             <a:extLst>
               <a:ext uri="{FF2B5EF4-FFF2-40B4-BE49-F238E27FC236}">
-                <a16:creationId xmlns:a16="http://schemas.microsoft.com/office/drawing/2014/main" id="{DA3E4000-BC37-867C-A25B-730785D175E3}"/>
+                <a16:creationId xmlns:a16="http://schemas.microsoft.com/office/drawing/2014/main" id="{2CED0ED0-01BE-764D-3167-9FA32024E70B}"/>
               </a:ext>
             </a:extLst>
           </p:cNvPr>
@@ -1949,7 +1949,7 @@
           <a:bodyPr/>
           <a:lstStyle/>
           <a:p>
-            <a:fld id="{86F7DA15-9BDF-4F0C-AABE-4E985EB66EEF}" type="datetimeFigureOut">
+            <a:fld id="{D169469F-716D-42CF-A5AD-43B53B0F9315}" type="datetimeFigureOut">
               <a:rPr lang="zh-CN" altLang="en-US" smtClean="0"/>
               <a:t>2024/3/10</a:t>
             </a:fld>
@@ -1962,7 +1962,7 @@
           <p:cNvPr id="4" name="页脚占位符 3">
             <a:extLst>
               <a:ext uri="{FF2B5EF4-FFF2-40B4-BE49-F238E27FC236}">
-                <a16:creationId xmlns:a16="http://schemas.microsoft.com/office/drawing/2014/main" id="{FD2743B3-0C1E-002E-F76F-C54AF65B95CE}"/>
+                <a16:creationId xmlns:a16="http://schemas.microsoft.com/office/drawing/2014/main" id="{21CCC28C-0558-18F2-D66F-4F5DD4EF68B9}"/>
               </a:ext>
             </a:extLst>
           </p:cNvPr>
@@ -1987,7 +1987,7 @@
           <p:cNvPr id="5" name="灯片编号占位符 4">
             <a:extLst>
               <a:ext uri="{FF2B5EF4-FFF2-40B4-BE49-F238E27FC236}">
-                <a16:creationId xmlns:a16="http://schemas.microsoft.com/office/drawing/2014/main" id="{FF27E2F0-20B3-33C2-1646-9515A04207C7}"/>
+                <a16:creationId xmlns:a16="http://schemas.microsoft.com/office/drawing/2014/main" id="{6828572C-160B-58E5-A29E-9DA431A20E31}"/>
               </a:ext>
             </a:extLst>
           </p:cNvPr>
@@ -2003,7 +2003,7 @@
           <a:bodyPr/>
           <a:lstStyle/>
           <a:p>
-            <a:fld id="{E08A273A-25B7-4AE5-BAA1-A0377B5039F8}" type="slidenum">
+            <a:fld id="{6A8BF0B9-6B85-4B3D-945E-C45D8E1E1033}" type="slidenum">
               <a:rPr lang="zh-CN" altLang="en-US" smtClean="0"/>
               <a:t>‹#›</a:t>
             </a:fld>
@@ -2014,7 +2014,7 @@
     </p:spTree>
     <p:extLst>
       <p:ext uri="{BB962C8B-B14F-4D97-AF65-F5344CB8AC3E}">
-        <p14:creationId xmlns:p14="http://schemas.microsoft.com/office/powerpoint/2010/main" val="4186426101"/>
+        <p14:creationId xmlns:p14="http://schemas.microsoft.com/office/powerpoint/2010/main" val="2391854789"/>
       </p:ext>
     </p:extLst>
   </p:cSld>
@@ -2046,7 +2046,7 @@
           <p:cNvPr id="2" name="日期占位符 1">
             <a:extLst>
               <a:ext uri="{FF2B5EF4-FFF2-40B4-BE49-F238E27FC236}">
-                <a16:creationId xmlns:a16="http://schemas.microsoft.com/office/drawing/2014/main" id="{26E55198-24D4-84F1-81E8-103663E2A27C}"/>
+                <a16:creationId xmlns:a16="http://schemas.microsoft.com/office/drawing/2014/main" id="{5E0706B0-89B8-E7AA-89EC-7AC9C8CDE1C7}"/>
               </a:ext>
             </a:extLst>
           </p:cNvPr>
@@ -2062,7 +2062,7 @@
           <a:bodyPr/>
           <a:lstStyle/>
           <a:p>
-            <a:fld id="{86F7DA15-9BDF-4F0C-AABE-4E985EB66EEF}" type="datetimeFigureOut">
+            <a:fld id="{D169469F-716D-42CF-A5AD-43B53B0F9315}" type="datetimeFigureOut">
               <a:rPr lang="zh-CN" altLang="en-US" smtClean="0"/>
               <a:t>2024/3/10</a:t>
             </a:fld>
@@ -2075,7 +2075,7 @@
           <p:cNvPr id="3" name="页脚占位符 2">
             <a:extLst>
               <a:ext uri="{FF2B5EF4-FFF2-40B4-BE49-F238E27FC236}">
-                <a16:creationId xmlns:a16="http://schemas.microsoft.com/office/drawing/2014/main" id="{06026E90-7E87-AC44-509B-D8F7C45B0F1C}"/>
+                <a16:creationId xmlns:a16="http://schemas.microsoft.com/office/drawing/2014/main" id="{E6C6BB6D-AE07-A28D-A8D4-20ABCD976300}"/>
               </a:ext>
             </a:extLst>
           </p:cNvPr>
@@ -2100,7 +2100,7 @@
           <p:cNvPr id="4" name="灯片编号占位符 3">
             <a:extLst>
               <a:ext uri="{FF2B5EF4-FFF2-40B4-BE49-F238E27FC236}">
-                <a16:creationId xmlns:a16="http://schemas.microsoft.com/office/drawing/2014/main" id="{900A8586-C264-7E12-4B4E-DFE906BC717C}"/>
+                <a16:creationId xmlns:a16="http://schemas.microsoft.com/office/drawing/2014/main" id="{1BBE14AE-C0DE-1355-50C3-75BD58D6EC27}"/>
               </a:ext>
             </a:extLst>
           </p:cNvPr>
@@ -2116,7 +2116,7 @@
           <a:bodyPr/>
           <a:lstStyle/>
           <a:p>
-            <a:fld id="{E08A273A-25B7-4AE5-BAA1-A0377B5039F8}" type="slidenum">
+            <a:fld id="{6A8BF0B9-6B85-4B3D-945E-C45D8E1E1033}" type="slidenum">
               <a:rPr lang="zh-CN" altLang="en-US" smtClean="0"/>
               <a:t>‹#›</a:t>
             </a:fld>
@@ -2127,7 +2127,7 @@
     </p:spTree>
     <p:extLst>
       <p:ext uri="{BB962C8B-B14F-4D97-AF65-F5344CB8AC3E}">
-        <p14:creationId xmlns:p14="http://schemas.microsoft.com/office/powerpoint/2010/main" val="1995028688"/>
+        <p14:creationId xmlns:p14="http://schemas.microsoft.com/office/powerpoint/2010/main" val="2667679909"/>
       </p:ext>
     </p:extLst>
   </p:cSld>
@@ -2159,7 +2159,7 @@
           <p:cNvPr id="2" name="标题 1">
             <a:extLst>
               <a:ext uri="{FF2B5EF4-FFF2-40B4-BE49-F238E27FC236}">
-                <a16:creationId xmlns:a16="http://schemas.microsoft.com/office/drawing/2014/main" id="{B5D6E4AA-C2B1-314D-92B4-A87D7D5EE471}"/>
+                <a16:creationId xmlns:a16="http://schemas.microsoft.com/office/drawing/2014/main" id="{0D59AEF1-26FC-F29D-17AD-1B31D53855BA}"/>
               </a:ext>
             </a:extLst>
           </p:cNvPr>
@@ -2196,7 +2196,7 @@
           <p:cNvPr id="3" name="内容占位符 2">
             <a:extLst>
               <a:ext uri="{FF2B5EF4-FFF2-40B4-BE49-F238E27FC236}">
-                <a16:creationId xmlns:a16="http://schemas.microsoft.com/office/drawing/2014/main" id="{883EC58B-C177-F159-CBDB-2C64C6E24F59}"/>
+                <a16:creationId xmlns:a16="http://schemas.microsoft.com/office/drawing/2014/main" id="{6A4BF40A-1950-99D6-F665-53669CDD52E4}"/>
               </a:ext>
             </a:extLst>
           </p:cNvPr>
@@ -2286,7 +2286,7 @@
           <p:cNvPr id="4" name="文本占位符 3">
             <a:extLst>
               <a:ext uri="{FF2B5EF4-FFF2-40B4-BE49-F238E27FC236}">
-                <a16:creationId xmlns:a16="http://schemas.microsoft.com/office/drawing/2014/main" id="{77F5ED67-FB80-48DF-CF8F-DBEDC9CAE930}"/>
+                <a16:creationId xmlns:a16="http://schemas.microsoft.com/office/drawing/2014/main" id="{959BF9C2-D364-864E-C2C0-05449D23E8FC}"/>
               </a:ext>
             </a:extLst>
           </p:cNvPr>
@@ -2357,7 +2357,7 @@
           <p:cNvPr id="5" name="日期占位符 4">
             <a:extLst>
               <a:ext uri="{FF2B5EF4-FFF2-40B4-BE49-F238E27FC236}">
-                <a16:creationId xmlns:a16="http://schemas.microsoft.com/office/drawing/2014/main" id="{3639BEF2-1CB8-E113-94C8-50AF7D3F6B6A}"/>
+                <a16:creationId xmlns:a16="http://schemas.microsoft.com/office/drawing/2014/main" id="{D688C484-AC40-44C6-EED3-7F5EB67B1EB3}"/>
               </a:ext>
             </a:extLst>
           </p:cNvPr>
@@ -2373,7 +2373,7 @@
           <a:bodyPr/>
           <a:lstStyle/>
           <a:p>
-            <a:fld id="{86F7DA15-9BDF-4F0C-AABE-4E985EB66EEF}" type="datetimeFigureOut">
+            <a:fld id="{D169469F-716D-42CF-A5AD-43B53B0F9315}" type="datetimeFigureOut">
               <a:rPr lang="zh-CN" altLang="en-US" smtClean="0"/>
               <a:t>2024/3/10</a:t>
             </a:fld>
@@ -2386,7 +2386,7 @@
           <p:cNvPr id="6" name="页脚占位符 5">
             <a:extLst>
               <a:ext uri="{FF2B5EF4-FFF2-40B4-BE49-F238E27FC236}">
-                <a16:creationId xmlns:a16="http://schemas.microsoft.com/office/drawing/2014/main" id="{A6E2C1F2-2E8F-8C1C-60A9-755830C223F2}"/>
+                <a16:creationId xmlns:a16="http://schemas.microsoft.com/office/drawing/2014/main" id="{6A0AE046-E62E-54A0-B586-AF74A8099BC6}"/>
               </a:ext>
             </a:extLst>
           </p:cNvPr>
@@ -2411,7 +2411,7 @@
           <p:cNvPr id="7" name="灯片编号占位符 6">
             <a:extLst>
               <a:ext uri="{FF2B5EF4-FFF2-40B4-BE49-F238E27FC236}">
-                <a16:creationId xmlns:a16="http://schemas.microsoft.com/office/drawing/2014/main" id="{8FB138B6-3571-7261-954C-B6A8CEB76BB8}"/>
+                <a16:creationId xmlns:a16="http://schemas.microsoft.com/office/drawing/2014/main" id="{D9A098B5-B923-3B7E-6C9D-7872D87A673B}"/>
               </a:ext>
             </a:extLst>
           </p:cNvPr>
@@ -2427,7 +2427,7 @@
           <a:bodyPr/>
           <a:lstStyle/>
           <a:p>
-            <a:fld id="{E08A273A-25B7-4AE5-BAA1-A0377B5039F8}" type="slidenum">
+            <a:fld id="{6A8BF0B9-6B85-4B3D-945E-C45D8E1E1033}" type="slidenum">
               <a:rPr lang="zh-CN" altLang="en-US" smtClean="0"/>
               <a:t>‹#›</a:t>
             </a:fld>
@@ -2438,7 +2438,7 @@
     </p:spTree>
     <p:extLst>
       <p:ext uri="{BB962C8B-B14F-4D97-AF65-F5344CB8AC3E}">
-        <p14:creationId xmlns:p14="http://schemas.microsoft.com/office/powerpoint/2010/main" val="4049143604"/>
+        <p14:creationId xmlns:p14="http://schemas.microsoft.com/office/powerpoint/2010/main" val="3993244629"/>
       </p:ext>
     </p:extLst>
   </p:cSld>
@@ -2470,7 +2470,7 @@
           <p:cNvPr id="2" name="标题 1">
             <a:extLst>
               <a:ext uri="{FF2B5EF4-FFF2-40B4-BE49-F238E27FC236}">
-                <a16:creationId xmlns:a16="http://schemas.microsoft.com/office/drawing/2014/main" id="{476EE6F5-5675-759D-77E7-3C6E90FCCC4A}"/>
+                <a16:creationId xmlns:a16="http://schemas.microsoft.com/office/drawing/2014/main" id="{CEFE2751-C838-1813-B4D3-C85C17F129E1}"/>
               </a:ext>
             </a:extLst>
           </p:cNvPr>
@@ -2507,7 +2507,7 @@
           <p:cNvPr id="3" name="图片占位符 2">
             <a:extLst>
               <a:ext uri="{FF2B5EF4-FFF2-40B4-BE49-F238E27FC236}">
-                <a16:creationId xmlns:a16="http://schemas.microsoft.com/office/drawing/2014/main" id="{5907C213-DC8A-1493-B208-0A403C6A8574}"/>
+                <a16:creationId xmlns:a16="http://schemas.microsoft.com/office/drawing/2014/main" id="{20C54E5B-0C3D-73AC-220A-B47B6487A3F7}"/>
               </a:ext>
             </a:extLst>
           </p:cNvPr>
@@ -2574,7 +2574,7 @@
           <p:cNvPr id="4" name="文本占位符 3">
             <a:extLst>
               <a:ext uri="{FF2B5EF4-FFF2-40B4-BE49-F238E27FC236}">
-                <a16:creationId xmlns:a16="http://schemas.microsoft.com/office/drawing/2014/main" id="{3251DA80-2AB4-3630-8830-C241F822BD72}"/>
+                <a16:creationId xmlns:a16="http://schemas.microsoft.com/office/drawing/2014/main" id="{24A7C39A-ADBE-18AF-CDD2-2A2C4E851450}"/>
               </a:ext>
             </a:extLst>
           </p:cNvPr>
@@ -2645,7 +2645,7 @@
           <p:cNvPr id="5" name="日期占位符 4">
             <a:extLst>
               <a:ext uri="{FF2B5EF4-FFF2-40B4-BE49-F238E27FC236}">
-                <a16:creationId xmlns:a16="http://schemas.microsoft.com/office/drawing/2014/main" id="{6F47EDBB-CD65-D6DE-6817-32C14725FD3B}"/>
+                <a16:creationId xmlns:a16="http://schemas.microsoft.com/office/drawing/2014/main" id="{449E2FF9-3F38-68EC-18BF-2D55D61ADDE4}"/>
               </a:ext>
             </a:extLst>
           </p:cNvPr>
@@ -2661,7 +2661,7 @@
           <a:bodyPr/>
           <a:lstStyle/>
           <a:p>
-            <a:fld id="{86F7DA15-9BDF-4F0C-AABE-4E985EB66EEF}" type="datetimeFigureOut">
+            <a:fld id="{D169469F-716D-42CF-A5AD-43B53B0F9315}" type="datetimeFigureOut">
               <a:rPr lang="zh-CN" altLang="en-US" smtClean="0"/>
               <a:t>2024/3/10</a:t>
             </a:fld>
@@ -2674,7 +2674,7 @@
           <p:cNvPr id="6" name="页脚占位符 5">
             <a:extLst>
               <a:ext uri="{FF2B5EF4-FFF2-40B4-BE49-F238E27FC236}">
-                <a16:creationId xmlns:a16="http://schemas.microsoft.com/office/drawing/2014/main" id="{1861F89A-B30B-72A7-3407-B77542DECF51}"/>
+                <a16:creationId xmlns:a16="http://schemas.microsoft.com/office/drawing/2014/main" id="{48E3A113-9F88-D808-3659-0E422D2FEE98}"/>
               </a:ext>
             </a:extLst>
           </p:cNvPr>
@@ -2699,7 +2699,7 @@
           <p:cNvPr id="7" name="灯片编号占位符 6">
             <a:extLst>
               <a:ext uri="{FF2B5EF4-FFF2-40B4-BE49-F238E27FC236}">
-                <a16:creationId xmlns:a16="http://schemas.microsoft.com/office/drawing/2014/main" id="{9C830248-51FB-2710-C59D-0D21AC1010C4}"/>
+                <a16:creationId xmlns:a16="http://schemas.microsoft.com/office/drawing/2014/main" id="{EF67E97B-D2C5-4DA2-16E0-F1800B47F55F}"/>
               </a:ext>
             </a:extLst>
           </p:cNvPr>
@@ -2715,7 +2715,7 @@
           <a:bodyPr/>
           <a:lstStyle/>
           <a:p>
-            <a:fld id="{E08A273A-25B7-4AE5-BAA1-A0377B5039F8}" type="slidenum">
+            <a:fld id="{6A8BF0B9-6B85-4B3D-945E-C45D8E1E1033}" type="slidenum">
               <a:rPr lang="zh-CN" altLang="en-US" smtClean="0"/>
               <a:t>‹#›</a:t>
             </a:fld>
@@ -2726,7 +2726,7 @@
     </p:spTree>
     <p:extLst>
       <p:ext uri="{BB962C8B-B14F-4D97-AF65-F5344CB8AC3E}">
-        <p14:creationId xmlns:p14="http://schemas.microsoft.com/office/powerpoint/2010/main" val="811096733"/>
+        <p14:creationId xmlns:p14="http://schemas.microsoft.com/office/powerpoint/2010/main" val="3918715885"/>
       </p:ext>
     </p:extLst>
   </p:cSld>
@@ -2763,7 +2763,7 @@
           <p:cNvPr id="2" name="标题占位符 1">
             <a:extLst>
               <a:ext uri="{FF2B5EF4-FFF2-40B4-BE49-F238E27FC236}">
-                <a16:creationId xmlns:a16="http://schemas.microsoft.com/office/drawing/2014/main" id="{14C32DE1-0CC4-462E-421E-8CD8D5002908}"/>
+                <a16:creationId xmlns:a16="http://schemas.microsoft.com/office/drawing/2014/main" id="{D678A48D-7ED1-01E7-854F-E439C847EFCE}"/>
               </a:ext>
             </a:extLst>
           </p:cNvPr>
@@ -2801,7 +2801,7 @@
           <p:cNvPr id="3" name="文本占位符 2">
             <a:extLst>
               <a:ext uri="{FF2B5EF4-FFF2-40B4-BE49-F238E27FC236}">
-                <a16:creationId xmlns:a16="http://schemas.microsoft.com/office/drawing/2014/main" id="{A424F28C-99CD-421F-A461-451F6F51E07A}"/>
+                <a16:creationId xmlns:a16="http://schemas.microsoft.com/office/drawing/2014/main" id="{22FDB85B-232C-34CA-6FD3-ABC0C45AFFC9}"/>
               </a:ext>
             </a:extLst>
           </p:cNvPr>
@@ -2868,7 +2868,7 @@
           <p:cNvPr id="4" name="日期占位符 3">
             <a:extLst>
               <a:ext uri="{FF2B5EF4-FFF2-40B4-BE49-F238E27FC236}">
-                <a16:creationId xmlns:a16="http://schemas.microsoft.com/office/drawing/2014/main" id="{C4A7E7E6-69BB-2D6C-87AA-3ADB90EF096B}"/>
+                <a16:creationId xmlns:a16="http://schemas.microsoft.com/office/drawing/2014/main" id="{2831AF1F-84D8-59F0-FD24-BDBDDAD6C89D}"/>
               </a:ext>
             </a:extLst>
           </p:cNvPr>
@@ -2902,7 +2902,7 @@
             </a:lvl1pPr>
           </a:lstStyle>
           <a:p>
-            <a:fld id="{86F7DA15-9BDF-4F0C-AABE-4E985EB66EEF}" type="datetimeFigureOut">
+            <a:fld id="{D169469F-716D-42CF-A5AD-43B53B0F9315}" type="datetimeFigureOut">
               <a:rPr lang="zh-CN" altLang="en-US" smtClean="0"/>
               <a:t>2024/3/10</a:t>
             </a:fld>
@@ -2915,7 +2915,7 @@
           <p:cNvPr id="5" name="页脚占位符 4">
             <a:extLst>
               <a:ext uri="{FF2B5EF4-FFF2-40B4-BE49-F238E27FC236}">
-                <a16:creationId xmlns:a16="http://schemas.microsoft.com/office/drawing/2014/main" id="{37F8A39A-5AFD-3C6A-5997-2E4CBEAF0816}"/>
+                <a16:creationId xmlns:a16="http://schemas.microsoft.com/office/drawing/2014/main" id="{06CADE11-7FF3-13B9-88D3-38FD2F3539E4}"/>
               </a:ext>
             </a:extLst>
           </p:cNvPr>
@@ -2958,7 +2958,7 @@
           <p:cNvPr id="6" name="灯片编号占位符 5">
             <a:extLst>
               <a:ext uri="{FF2B5EF4-FFF2-40B4-BE49-F238E27FC236}">
-                <a16:creationId xmlns:a16="http://schemas.microsoft.com/office/drawing/2014/main" id="{5EFDD1CD-90AB-3D92-EBD4-BA6F66375DBB}"/>
+                <a16:creationId xmlns:a16="http://schemas.microsoft.com/office/drawing/2014/main" id="{D77F3C83-DBA3-3BEA-12AB-7737E7D46AA4}"/>
               </a:ext>
             </a:extLst>
           </p:cNvPr>
@@ -2992,7 +2992,7 @@
             </a:lvl1pPr>
           </a:lstStyle>
           <a:p>
-            <a:fld id="{E08A273A-25B7-4AE5-BAA1-A0377B5039F8}" type="slidenum">
+            <a:fld id="{6A8BF0B9-6B85-4B3D-945E-C45D8E1E1033}" type="slidenum">
               <a:rPr lang="zh-CN" altLang="en-US" smtClean="0"/>
               <a:t>‹#›</a:t>
             </a:fld>
@@ -3003,7 +3003,7 @@
     </p:spTree>
     <p:extLst>
       <p:ext uri="{BB962C8B-B14F-4D97-AF65-F5344CB8AC3E}">
-        <p14:creationId xmlns:p14="http://schemas.microsoft.com/office/powerpoint/2010/main" val="700909741"/>
+        <p14:creationId xmlns:p14="http://schemas.microsoft.com/office/powerpoint/2010/main" val="3453055800"/>
       </p:ext>
     </p:extLst>
   </p:cSld>
@@ -3323,7 +3323,7 @@
       </p:grpSpPr>
       <p:pic>
         <p:nvPicPr>
-          <p:cNvPr id="994306" name="Picture 2" descr="970"/>
+          <p:cNvPr id="995330" name="Picture 2" descr="971"/>
           <p:cNvPicPr>
             <a:picLocks noChangeAspect="1" noChangeArrowheads="1"/>
           </p:cNvPicPr>
@@ -3375,11 +3375,158 @@
           </a:extLst>
         </p:spPr>
       </p:pic>
+      <p:pic>
+        <p:nvPicPr>
+          <p:cNvPr id="996355" name="Picture 3" descr="971-2"/>
+          <p:cNvPicPr>
+            <a:picLocks noChangeAspect="1" noChangeArrowheads="1"/>
+          </p:cNvPicPr>
+          <p:nvPr/>
+        </p:nvPicPr>
+        <p:blipFill>
+          <a:blip r:embed="rId3">
+            <a:extLst>
+              <a:ext uri="{28A0092B-C50C-407E-A947-70E740481C1C}">
+                <a14:useLocalDpi xmlns:a14="http://schemas.microsoft.com/office/drawing/2010/main" val="0"/>
+              </a:ext>
+            </a:extLst>
+          </a:blip>
+          <a:srcRect/>
+          <a:stretch>
+            <a:fillRect/>
+          </a:stretch>
+        </p:blipFill>
+        <p:spPr bwMode="auto">
+          <a:xfrm>
+            <a:off x="1524000" y="0"/>
+            <a:ext cx="9144000" cy="6858000"/>
+          </a:xfrm>
+          <a:prstGeom prst="rect">
+            <a:avLst/>
+          </a:prstGeom>
+          <a:noFill/>
+          <a:ln>
+            <a:noFill/>
+          </a:ln>
+          <a:effectLst/>
+          <a:extLst>
+            <a:ext uri="{909E8E84-426E-40DD-AFC4-6F175D3DCCD1}">
+              <a14:hiddenFill xmlns:a14="http://schemas.microsoft.com/office/drawing/2010/main">
+                <a:solidFill>
+                  <a:srgbClr val="FFFFFF"/>
+                </a:solidFill>
+              </a14:hiddenFill>
+            </a:ext>
+            <a:ext uri="{91240B29-F687-4F45-9708-019B960494DF}">
+              <a14:hiddenLine xmlns:a14="http://schemas.microsoft.com/office/drawing/2010/main" w="9525">
+                <a:solidFill>
+                  <a:srgbClr val="000000"/>
+                </a:solidFill>
+                <a:miter lim="800000"/>
+                <a:headEnd/>
+                <a:tailEnd/>
+              </a14:hiddenLine>
+            </a:ext>
+            <a:ext uri="{AF507438-7753-43E0-B8FC-AC1667EBCBE1}">
+              <a14:hiddenEffects xmlns:a14="http://schemas.microsoft.com/office/drawing/2010/main">
+                <a:effectLst>
+                  <a:outerShdw dist="35921" dir="2700000" algn="ctr" rotWithShape="0">
+                    <a:srgbClr val="808080"/>
+                  </a:outerShdw>
+                </a:effectLst>
+              </a14:hiddenEffects>
+            </a:ext>
+          </a:extLst>
+        </p:spPr>
+      </p:pic>
     </p:spTree>
   </p:cSld>
   <p:clrMapOvr>
     <a:masterClrMapping/>
   </p:clrMapOvr>
+  <p:timing>
+    <p:tnLst>
+      <p:par>
+        <p:cTn id="1" dur="indefinite" restart="never" nodeType="tmRoot">
+          <p:childTnLst>
+            <p:seq concurrent="1" nextAc="seek">
+              <p:cTn id="2" dur="indefinite" nodeType="mainSeq">
+                <p:childTnLst>
+                  <p:par>
+                    <p:cTn id="3" fill="hold" nodeType="clickPar">
+                      <p:stCondLst>
+                        <p:cond delay="indefinite"/>
+                      </p:stCondLst>
+                      <p:childTnLst>
+                        <p:par>
+                          <p:cTn id="4" fill="hold" nodeType="withGroup">
+                            <p:stCondLst>
+                              <p:cond delay="0"/>
+                            </p:stCondLst>
+                            <p:childTnLst>
+                              <p:par>
+                                <p:cTn id="5" presetID="10" presetClass="entr" presetSubtype="0" fill="hold" nodeType="clickEffect">
+                                  <p:stCondLst>
+                                    <p:cond delay="0"/>
+                                  </p:stCondLst>
+                                  <p:childTnLst>
+                                    <p:set>
+                                      <p:cBhvr>
+                                        <p:cTn id="6" dur="1" fill="hold">
+                                          <p:stCondLst>
+                                            <p:cond delay="0"/>
+                                          </p:stCondLst>
+                                        </p:cTn>
+                                        <p:tgtEl>
+                                          <p:spTgt spid="996355"/>
+                                        </p:tgtEl>
+                                        <p:attrNameLst>
+                                          <p:attrName>style.visibility</p:attrName>
+                                        </p:attrNameLst>
+                                      </p:cBhvr>
+                                      <p:to>
+                                        <p:strVal val="visible"/>
+                                      </p:to>
+                                    </p:set>
+                                    <p:animEffect transition="in" filter="fade">
+                                      <p:cBhvr>
+                                        <p:cTn id="7" dur="500"/>
+                                        <p:tgtEl>
+                                          <p:spTgt spid="996355"/>
+                                        </p:tgtEl>
+                                      </p:cBhvr>
+                                    </p:animEffect>
+                                  </p:childTnLst>
+                                </p:cTn>
+                              </p:par>
+                            </p:childTnLst>
+                          </p:cTn>
+                        </p:par>
+                      </p:childTnLst>
+                    </p:cTn>
+                  </p:par>
+                </p:childTnLst>
+              </p:cTn>
+              <p:prevCondLst>
+                <p:cond evt="onPrev" delay="0">
+                  <p:tgtEl>
+                    <p:sldTgt/>
+                  </p:tgtEl>
+                </p:cond>
+              </p:prevCondLst>
+              <p:nextCondLst>
+                <p:cond evt="onNext" delay="0">
+                  <p:tgtEl>
+                    <p:sldTgt/>
+                  </p:tgtEl>
+                </p:cond>
+              </p:nextCondLst>
+            </p:seq>
+          </p:childTnLst>
+        </p:cTn>
+      </p:par>
+    </p:tnLst>
+  </p:timing>
 </p:sld>
 </file>
 
